--- a/1_deepwalk/F1score.pptx
+++ b/1_deepwalk/F1score.pptx
@@ -107,6 +107,11 @@
       </a:defRPr>
     </a:lvl9pPr>
   </p:defaultTextStyle>
+  <p:extLst>
+    <p:ext uri="{EFAFB233-063F-42B5-8137-9DF3F51BA10A}">
+      <p15:sldGuideLst xmlns:p15="http://schemas.microsoft.com/office/powerpoint/2012/main"/>
+    </p:ext>
+  </p:extLst>
 </p:presentation>
 </file>
 
@@ -257,7 +262,7 @@
           <a:p>
             <a:fld id="{3126D92A-CA90-4A93-A932-29D5954E80A1}" type="datetimeFigureOut">
               <a:rPr lang="zh-CN" altLang="en-US" smtClean="0"/>
-              <a:t>2021/9/19</a:t>
+              <a:t>2021/9/22</a:t>
             </a:fld>
             <a:endParaRPr lang="zh-CN" altLang="en-US"/>
           </a:p>
@@ -455,7 +460,7 @@
           <a:p>
             <a:fld id="{3126D92A-CA90-4A93-A932-29D5954E80A1}" type="datetimeFigureOut">
               <a:rPr lang="zh-CN" altLang="en-US" smtClean="0"/>
-              <a:t>2021/9/19</a:t>
+              <a:t>2021/9/22</a:t>
             </a:fld>
             <a:endParaRPr lang="zh-CN" altLang="en-US"/>
           </a:p>
@@ -663,7 +668,7 @@
           <a:p>
             <a:fld id="{3126D92A-CA90-4A93-A932-29D5954E80A1}" type="datetimeFigureOut">
               <a:rPr lang="zh-CN" altLang="en-US" smtClean="0"/>
-              <a:t>2021/9/19</a:t>
+              <a:t>2021/9/22</a:t>
             </a:fld>
             <a:endParaRPr lang="zh-CN" altLang="en-US"/>
           </a:p>
@@ -861,7 +866,7 @@
           <a:p>
             <a:fld id="{3126D92A-CA90-4A93-A932-29D5954E80A1}" type="datetimeFigureOut">
               <a:rPr lang="zh-CN" altLang="en-US" smtClean="0"/>
-              <a:t>2021/9/19</a:t>
+              <a:t>2021/9/22</a:t>
             </a:fld>
             <a:endParaRPr lang="zh-CN" altLang="en-US"/>
           </a:p>
@@ -1136,7 +1141,7 @@
           <a:p>
             <a:fld id="{3126D92A-CA90-4A93-A932-29D5954E80A1}" type="datetimeFigureOut">
               <a:rPr lang="zh-CN" altLang="en-US" smtClean="0"/>
-              <a:t>2021/9/19</a:t>
+              <a:t>2021/9/22</a:t>
             </a:fld>
             <a:endParaRPr lang="zh-CN" altLang="en-US"/>
           </a:p>
@@ -1401,7 +1406,7 @@
           <a:p>
             <a:fld id="{3126D92A-CA90-4A93-A932-29D5954E80A1}" type="datetimeFigureOut">
               <a:rPr lang="zh-CN" altLang="en-US" smtClean="0"/>
-              <a:t>2021/9/19</a:t>
+              <a:t>2021/9/22</a:t>
             </a:fld>
             <a:endParaRPr lang="zh-CN" altLang="en-US"/>
           </a:p>
@@ -1813,7 +1818,7 @@
           <a:p>
             <a:fld id="{3126D92A-CA90-4A93-A932-29D5954E80A1}" type="datetimeFigureOut">
               <a:rPr lang="zh-CN" altLang="en-US" smtClean="0"/>
-              <a:t>2021/9/19</a:t>
+              <a:t>2021/9/22</a:t>
             </a:fld>
             <a:endParaRPr lang="zh-CN" altLang="en-US"/>
           </a:p>
@@ -1954,7 +1959,7 @@
           <a:p>
             <a:fld id="{3126D92A-CA90-4A93-A932-29D5954E80A1}" type="datetimeFigureOut">
               <a:rPr lang="zh-CN" altLang="en-US" smtClean="0"/>
-              <a:t>2021/9/19</a:t>
+              <a:t>2021/9/22</a:t>
             </a:fld>
             <a:endParaRPr lang="zh-CN" altLang="en-US"/>
           </a:p>
@@ -2067,7 +2072,7 @@
           <a:p>
             <a:fld id="{3126D92A-CA90-4A93-A932-29D5954E80A1}" type="datetimeFigureOut">
               <a:rPr lang="zh-CN" altLang="en-US" smtClean="0"/>
-              <a:t>2021/9/19</a:t>
+              <a:t>2021/9/22</a:t>
             </a:fld>
             <a:endParaRPr lang="zh-CN" altLang="en-US"/>
           </a:p>
@@ -2378,7 +2383,7 @@
           <a:p>
             <a:fld id="{3126D92A-CA90-4A93-A932-29D5954E80A1}" type="datetimeFigureOut">
               <a:rPr lang="zh-CN" altLang="en-US" smtClean="0"/>
-              <a:t>2021/9/19</a:t>
+              <a:t>2021/9/22</a:t>
             </a:fld>
             <a:endParaRPr lang="zh-CN" altLang="en-US"/>
           </a:p>
@@ -2666,7 +2671,7 @@
           <a:p>
             <a:fld id="{3126D92A-CA90-4A93-A932-29D5954E80A1}" type="datetimeFigureOut">
               <a:rPr lang="zh-CN" altLang="en-US" smtClean="0"/>
-              <a:t>2021/9/19</a:t>
+              <a:t>2021/9/22</a:t>
             </a:fld>
             <a:endParaRPr lang="zh-CN" altLang="en-US"/>
           </a:p>
@@ -2907,7 +2912,7 @@
           <a:p>
             <a:fld id="{3126D92A-CA90-4A93-A932-29D5954E80A1}" type="datetimeFigureOut">
               <a:rPr lang="zh-CN" altLang="en-US" smtClean="0"/>
-              <a:t>2021/9/19</a:t>
+              <a:t>2021/9/22</a:t>
             </a:fld>
             <a:endParaRPr lang="zh-CN" altLang="en-US"/>
           </a:p>
@@ -4211,8 +4216,8 @@
           </a:p>
         </p:txBody>
       </p:sp>
-      <mc:AlternateContent xmlns:mc="http://schemas.openxmlformats.org/markup-compatibility/2006">
-        <mc:Choice xmlns:a14="http://schemas.microsoft.com/office/drawing/2010/main" Requires="a14">
+      <mc:AlternateContent xmlns:mc="http://schemas.openxmlformats.org/markup-compatibility/2006" xmlns:a14="http://schemas.microsoft.com/office/drawing/2010/main">
+        <mc:Choice Requires="a14">
           <p:sp>
             <p:nvSpPr>
               <p:cNvPr id="6" name="矩形 5">
@@ -4240,6 +4245,7 @@
               </a:bodyPr>
               <a:lstStyle/>
               <a:p>
+                <a:pPr/>
                 <a14:m>
                   <m:oMathPara xmlns:m="http://schemas.openxmlformats.org/officeDocument/2006/math">
                     <m:oMathParaPr>
@@ -4355,7 +4361,7 @@
             </p:txBody>
           </p:sp>
         </mc:Choice>
-        <mc:Fallback>
+        <mc:Fallback xmlns="">
           <p:sp>
             <p:nvSpPr>
               <p:cNvPr id="6" name="矩形 5">
@@ -4902,8 +4908,8 @@
           </a:p>
         </p:txBody>
       </p:sp>
-      <mc:AlternateContent xmlns:mc="http://schemas.openxmlformats.org/markup-compatibility/2006">
-        <mc:Choice xmlns:a14="http://schemas.microsoft.com/office/drawing/2010/main" Requires="a14">
+      <mc:AlternateContent xmlns:mc="http://schemas.openxmlformats.org/markup-compatibility/2006" xmlns:a14="http://schemas.microsoft.com/office/drawing/2010/main">
+        <mc:Choice Requires="a14">
           <p:sp>
             <p:nvSpPr>
               <p:cNvPr id="11" name="矩形 10">
@@ -4931,6 +4937,7 @@
               </a:bodyPr>
               <a:lstStyle/>
               <a:p>
+                <a:pPr/>
                 <a14:m>
                   <m:oMathPara xmlns:m="http://schemas.openxmlformats.org/officeDocument/2006/math">
                     <m:oMathParaPr>
@@ -5014,7 +5021,7 @@
             </p:txBody>
           </p:sp>
         </mc:Choice>
-        <mc:Fallback>
+        <mc:Fallback xmlns="">
           <p:sp>
             <p:nvSpPr>
               <p:cNvPr id="11" name="矩形 10">
@@ -5162,8 +5169,8 @@
           </a:p>
         </p:txBody>
       </p:sp>
-      <mc:AlternateContent xmlns:mc="http://schemas.openxmlformats.org/markup-compatibility/2006">
-        <mc:Choice xmlns:a14="http://schemas.microsoft.com/office/drawing/2010/main" Requires="a14">
+      <mc:AlternateContent xmlns:mc="http://schemas.openxmlformats.org/markup-compatibility/2006" xmlns:a14="http://schemas.microsoft.com/office/drawing/2010/main">
+        <mc:Choice Requires="a14">
           <p:sp>
             <p:nvSpPr>
               <p:cNvPr id="14" name="矩形 13">
@@ -5191,6 +5198,7 @@
               </a:bodyPr>
               <a:lstStyle/>
               <a:p>
+                <a:pPr/>
                 <a14:m>
                   <m:oMathPara xmlns:m="http://schemas.openxmlformats.org/officeDocument/2006/math">
                     <m:oMathParaPr>
@@ -5274,7 +5282,7 @@
             </p:txBody>
           </p:sp>
         </mc:Choice>
-        <mc:Fallback>
+        <mc:Fallback xmlns="">
           <p:sp>
             <p:nvSpPr>
               <p:cNvPr id="14" name="矩形 13">
@@ -5679,8 +5687,8 @@
           </a:graphicData>
         </a:graphic>
       </p:graphicFrame>
-      <mc:AlternateContent xmlns:mc="http://schemas.openxmlformats.org/markup-compatibility/2006">
-        <mc:Choice xmlns:a14="http://schemas.microsoft.com/office/drawing/2010/main" Requires="a14">
+      <mc:AlternateContent xmlns:mc="http://schemas.openxmlformats.org/markup-compatibility/2006" xmlns:a14="http://schemas.microsoft.com/office/drawing/2010/main">
+        <mc:Choice Requires="a14">
           <p:sp>
             <p:nvSpPr>
               <p:cNvPr id="17" name="矩形 16">
@@ -5708,6 +5716,7 @@
               </a:bodyPr>
               <a:lstStyle/>
               <a:p>
+                <a:pPr/>
                 <a14:m>
                   <m:oMathPara xmlns:m="http://schemas.openxmlformats.org/officeDocument/2006/math">
                     <m:oMathParaPr>
@@ -5734,7 +5743,7 @@
                       <m:f>
                         <m:fPr>
                           <m:ctrlPr>
-                            <a:rPr lang="zh-CN" altLang="en-US" dirty="0" smtClean="0">
+                            <a:rPr lang="zh-CN" altLang="en-US" i="1" dirty="0" smtClean="0">
                               <a:latin typeface="Cambria Math" panose="02040503050406030204" pitchFamily="18" charset="0"/>
                             </a:rPr>
                           </m:ctrlPr>
@@ -5782,7 +5791,7 @@
             </p:txBody>
           </p:sp>
         </mc:Choice>
-        <mc:Fallback>
+        <mc:Fallback xmlns="">
           <p:sp>
             <p:nvSpPr>
               <p:cNvPr id="17" name="矩形 16">
@@ -5827,8 +5836,8 @@
           </p:sp>
         </mc:Fallback>
       </mc:AlternateContent>
-      <mc:AlternateContent xmlns:mc="http://schemas.openxmlformats.org/markup-compatibility/2006">
-        <mc:Choice xmlns:a14="http://schemas.microsoft.com/office/drawing/2010/main" Requires="a14">
+      <mc:AlternateContent xmlns:mc="http://schemas.openxmlformats.org/markup-compatibility/2006" xmlns:a14="http://schemas.microsoft.com/office/drawing/2010/main">
+        <mc:Choice Requires="a14">
           <p:sp>
             <p:nvSpPr>
               <p:cNvPr id="18" name="矩形 17">
@@ -5856,6 +5865,7 @@
               </a:bodyPr>
               <a:lstStyle/>
               <a:p>
+                <a:pPr/>
                 <a14:m>
                   <m:oMathPara xmlns:m="http://schemas.openxmlformats.org/officeDocument/2006/math">
                     <m:oMathParaPr>
@@ -5913,21 +5923,7 @@
                               <a:latin typeface="Cambria Math" panose="02040503050406030204" pitchFamily="18" charset="0"/>
                               <a:ea typeface="微软雅黑" panose="020B0503020204020204" pitchFamily="34" charset="-122"/>
                             </a:rPr>
-                            <m:t>50</m:t>
-                          </m:r>
-                          <m:r>
-                            <a:rPr lang="en-US" altLang="zh-CN" b="0" i="1" dirty="0" smtClean="0">
-                              <a:latin typeface="Cambria Math" panose="02040503050406030204" pitchFamily="18" charset="0"/>
-                              <a:ea typeface="微软雅黑" panose="020B0503020204020204" pitchFamily="34" charset="-122"/>
-                            </a:rPr>
-                            <m:t>+</m:t>
-                          </m:r>
-                          <m:r>
-                            <a:rPr lang="en-US" altLang="zh-CN" b="0" i="1" dirty="0" smtClean="0">
-                              <a:latin typeface="Cambria Math" panose="02040503050406030204" pitchFamily="18" charset="0"/>
-                              <a:ea typeface="微软雅黑" panose="020B0503020204020204" pitchFamily="34" charset="-122"/>
-                            </a:rPr>
-                            <m:t>15</m:t>
+                            <m:t>50+15</m:t>
                           </m:r>
                         </m:den>
                       </m:f>
@@ -5981,7 +5977,7 @@
             </p:txBody>
           </p:sp>
         </mc:Choice>
-        <mc:Fallback>
+        <mc:Fallback xmlns="">
           <p:sp>
             <p:nvSpPr>
               <p:cNvPr id="18" name="矩形 17">
@@ -6026,8 +6022,8 @@
           </p:sp>
         </mc:Fallback>
       </mc:AlternateContent>
-      <mc:AlternateContent xmlns:mc="http://schemas.openxmlformats.org/markup-compatibility/2006">
-        <mc:Choice xmlns:a14="http://schemas.microsoft.com/office/drawing/2010/main" Requires="a14">
+      <mc:AlternateContent xmlns:mc="http://schemas.openxmlformats.org/markup-compatibility/2006" xmlns:a14="http://schemas.microsoft.com/office/drawing/2010/main">
+        <mc:Choice Requires="a14">
           <p:sp>
             <p:nvSpPr>
               <p:cNvPr id="19" name="矩形 18">
@@ -6055,6 +6051,7 @@
               </a:bodyPr>
               <a:lstStyle/>
               <a:p>
+                <a:pPr/>
                 <a14:m>
                   <m:oMathPara xmlns:m="http://schemas.openxmlformats.org/officeDocument/2006/math">
                     <m:oMathParaPr>
@@ -6112,21 +6109,7 @@
                               <a:latin typeface="Cambria Math" panose="02040503050406030204" pitchFamily="18" charset="0"/>
                               <a:ea typeface="微软雅黑" panose="020B0503020204020204" pitchFamily="34" charset="-122"/>
                             </a:rPr>
-                            <m:t>50</m:t>
-                          </m:r>
-                          <m:r>
-                            <a:rPr lang="en-US" altLang="zh-CN" b="0" i="1" dirty="0" smtClean="0">
-                              <a:latin typeface="Cambria Math" panose="02040503050406030204" pitchFamily="18" charset="0"/>
-                              <a:ea typeface="微软雅黑" panose="020B0503020204020204" pitchFamily="34" charset="-122"/>
-                            </a:rPr>
-                            <m:t>+</m:t>
-                          </m:r>
-                          <m:r>
-                            <a:rPr lang="en-US" altLang="zh-CN" b="0" i="1" dirty="0" smtClean="0">
-                              <a:latin typeface="Cambria Math" panose="02040503050406030204" pitchFamily="18" charset="0"/>
-                              <a:ea typeface="微软雅黑" panose="020B0503020204020204" pitchFamily="34" charset="-122"/>
-                            </a:rPr>
-                            <m:t>5</m:t>
+                            <m:t>50+5</m:t>
                           </m:r>
                         </m:den>
                       </m:f>
@@ -6161,14 +6144,7 @@
                               <a:latin typeface="Cambria Math" panose="02040503050406030204" pitchFamily="18" charset="0"/>
                               <a:ea typeface="微软雅黑" panose="020B0503020204020204" pitchFamily="34" charset="-122"/>
                             </a:rPr>
-                            <m:t>1</m:t>
-                          </m:r>
-                          <m:r>
-                            <a:rPr lang="en-US" altLang="zh-CN" b="0" i="1" dirty="0" smtClean="0">
-                              <a:latin typeface="Cambria Math" panose="02040503050406030204" pitchFamily="18" charset="0"/>
-                              <a:ea typeface="微软雅黑" panose="020B0503020204020204" pitchFamily="34" charset="-122"/>
-                            </a:rPr>
-                            <m:t>1</m:t>
+                            <m:t>11</m:t>
                           </m:r>
                         </m:den>
                       </m:f>
@@ -6187,7 +6163,7 @@
             </p:txBody>
           </p:sp>
         </mc:Choice>
-        <mc:Fallback>
+        <mc:Fallback xmlns="">
           <p:sp>
             <p:nvSpPr>
               <p:cNvPr id="19" name="矩形 18">
@@ -6328,7 +6304,7 @@
         <p:spPr>
           <a:xfrm>
             <a:off x="383081" y="740481"/>
-            <a:ext cx="5752793" cy="369332"/>
+            <a:ext cx="5510804" cy="646331"/>
           </a:xfrm>
           <a:prstGeom prst="rect">
             <a:avLst/>
@@ -6373,7 +6349,20 @@
                 <a:latin typeface="微软雅黑" panose="020B0503020204020204" pitchFamily="34" charset="-122"/>
                 <a:ea typeface="微软雅黑" panose="020B0503020204020204" pitchFamily="34" charset="-122"/>
               </a:rPr>
-              <a:t>两个指标，提出</a:t>
+              <a:t>两个指标进行调和平均，</a:t>
+            </a:r>
+            <a:endParaRPr lang="en-US" altLang="zh-CN">
+              <a:latin typeface="微软雅黑" panose="020B0503020204020204" pitchFamily="34" charset="-122"/>
+              <a:ea typeface="微软雅黑" panose="020B0503020204020204" pitchFamily="34" charset="-122"/>
+            </a:endParaRPr>
+          </a:p>
+          <a:p>
+            <a:r>
+              <a:rPr lang="zh-CN" altLang="en-US">
+                <a:latin typeface="微软雅黑" panose="020B0503020204020204" pitchFamily="34" charset="-122"/>
+                <a:ea typeface="微软雅黑" panose="020B0503020204020204" pitchFamily="34" charset="-122"/>
+              </a:rPr>
+              <a:t>提出</a:t>
             </a:r>
             <a:r>
               <a:rPr lang="en-US" altLang="zh-CN" dirty="0">
@@ -6386,8 +6375,8 @@
           </a:p>
         </p:txBody>
       </p:sp>
-      <mc:AlternateContent xmlns:mc="http://schemas.openxmlformats.org/markup-compatibility/2006">
-        <mc:Choice xmlns:a14="http://schemas.microsoft.com/office/drawing/2010/main" Requires="a14">
+      <mc:AlternateContent xmlns:mc="http://schemas.openxmlformats.org/markup-compatibility/2006" xmlns:a14="http://schemas.microsoft.com/office/drawing/2010/main">
+        <mc:Choice Requires="a14">
           <p:sp>
             <p:nvSpPr>
               <p:cNvPr id="6" name="矩形 5">
@@ -6415,6 +6404,7 @@
               </a:bodyPr>
               <a:lstStyle/>
               <a:p>
+                <a:pPr/>
                 <a14:m>
                   <m:oMathPara xmlns:m="http://schemas.openxmlformats.org/officeDocument/2006/math">
                     <m:oMathParaPr>
@@ -6520,7 +6510,7 @@
             </p:txBody>
           </p:sp>
         </mc:Choice>
-        <mc:Fallback>
+        <mc:Fallback xmlns="">
           <p:sp>
             <p:nvSpPr>
               <p:cNvPr id="6" name="矩形 5">
@@ -6925,8 +6915,8 @@
           </a:graphicData>
         </a:graphic>
       </p:graphicFrame>
-      <mc:AlternateContent xmlns:mc="http://schemas.openxmlformats.org/markup-compatibility/2006">
-        <mc:Choice xmlns:a14="http://schemas.microsoft.com/office/drawing/2010/main" Requires="a14">
+      <mc:AlternateContent xmlns:mc="http://schemas.openxmlformats.org/markup-compatibility/2006" xmlns:a14="http://schemas.microsoft.com/office/drawing/2010/main">
+        <mc:Choice Requires="a14">
           <p:sp>
             <p:nvSpPr>
               <p:cNvPr id="8" name="矩形 7">
@@ -6954,6 +6944,7 @@
               </a:bodyPr>
               <a:lstStyle/>
               <a:p>
+                <a:pPr/>
                 <a14:m>
                   <m:oMathPara xmlns:m="http://schemas.openxmlformats.org/officeDocument/2006/math">
                     <m:oMathParaPr>
@@ -7011,21 +7002,7 @@
                               <a:latin typeface="Cambria Math" panose="02040503050406030204" pitchFamily="18" charset="0"/>
                               <a:ea typeface="微软雅黑" panose="020B0503020204020204" pitchFamily="34" charset="-122"/>
                             </a:rPr>
-                            <m:t>50</m:t>
-                          </m:r>
-                          <m:r>
-                            <a:rPr lang="en-US" altLang="zh-CN" b="0" i="1" dirty="0" smtClean="0">
-                              <a:latin typeface="Cambria Math" panose="02040503050406030204" pitchFamily="18" charset="0"/>
-                              <a:ea typeface="微软雅黑" panose="020B0503020204020204" pitchFamily="34" charset="-122"/>
-                            </a:rPr>
-                            <m:t>+</m:t>
-                          </m:r>
-                          <m:r>
-                            <a:rPr lang="en-US" altLang="zh-CN" b="0" i="1" dirty="0" smtClean="0">
-                              <a:latin typeface="Cambria Math" panose="02040503050406030204" pitchFamily="18" charset="0"/>
-                              <a:ea typeface="微软雅黑" panose="020B0503020204020204" pitchFamily="34" charset="-122"/>
-                            </a:rPr>
-                            <m:t>15</m:t>
+                            <m:t>50+15</m:t>
                           </m:r>
                         </m:den>
                       </m:f>
@@ -7072,7 +7049,7 @@
             </p:txBody>
           </p:sp>
         </mc:Choice>
-        <mc:Fallback>
+        <mc:Fallback xmlns="">
           <p:sp>
             <p:nvSpPr>
               <p:cNvPr id="8" name="矩形 7">
@@ -7117,8 +7094,8 @@
           </p:sp>
         </mc:Fallback>
       </mc:AlternateContent>
-      <mc:AlternateContent xmlns:mc="http://schemas.openxmlformats.org/markup-compatibility/2006">
-        <mc:Choice xmlns:a14="http://schemas.microsoft.com/office/drawing/2010/main" Requires="a14">
+      <mc:AlternateContent xmlns:mc="http://schemas.openxmlformats.org/markup-compatibility/2006" xmlns:a14="http://schemas.microsoft.com/office/drawing/2010/main">
+        <mc:Choice Requires="a14">
           <p:sp>
             <p:nvSpPr>
               <p:cNvPr id="9" name="矩形 8">
@@ -7146,6 +7123,7 @@
               </a:bodyPr>
               <a:lstStyle/>
               <a:p>
+                <a:pPr/>
                 <a14:m>
                   <m:oMathPara xmlns:m="http://schemas.openxmlformats.org/officeDocument/2006/math">
                     <m:oMathParaPr>
@@ -7203,21 +7181,7 @@
                               <a:latin typeface="Cambria Math" panose="02040503050406030204" pitchFamily="18" charset="0"/>
                               <a:ea typeface="微软雅黑" panose="020B0503020204020204" pitchFamily="34" charset="-122"/>
                             </a:rPr>
-                            <m:t>50</m:t>
-                          </m:r>
-                          <m:r>
-                            <a:rPr lang="en-US" altLang="zh-CN" b="0" i="1" dirty="0" smtClean="0">
-                              <a:latin typeface="Cambria Math" panose="02040503050406030204" pitchFamily="18" charset="0"/>
-                              <a:ea typeface="微软雅黑" panose="020B0503020204020204" pitchFamily="34" charset="-122"/>
-                            </a:rPr>
-                            <m:t>+</m:t>
-                          </m:r>
-                          <m:r>
-                            <a:rPr lang="en-US" altLang="zh-CN" b="0" i="1" dirty="0" smtClean="0">
-                              <a:latin typeface="Cambria Math" panose="02040503050406030204" pitchFamily="18" charset="0"/>
-                              <a:ea typeface="微软雅黑" panose="020B0503020204020204" pitchFamily="34" charset="-122"/>
-                            </a:rPr>
-                            <m:t>5</m:t>
+                            <m:t>50+5</m:t>
                           </m:r>
                         </m:den>
                       </m:f>
@@ -7252,14 +7216,7 @@
                               <a:latin typeface="Cambria Math" panose="02040503050406030204" pitchFamily="18" charset="0"/>
                               <a:ea typeface="微软雅黑" panose="020B0503020204020204" pitchFamily="34" charset="-122"/>
                             </a:rPr>
-                            <m:t>1</m:t>
-                          </m:r>
-                          <m:r>
-                            <a:rPr lang="en-US" altLang="zh-CN" b="0" i="1" dirty="0" smtClean="0">
-                              <a:latin typeface="Cambria Math" panose="02040503050406030204" pitchFamily="18" charset="0"/>
-                              <a:ea typeface="微软雅黑" panose="020B0503020204020204" pitchFamily="34" charset="-122"/>
-                            </a:rPr>
-                            <m:t>1</m:t>
+                            <m:t>11</m:t>
                           </m:r>
                         </m:den>
                       </m:f>
@@ -7271,7 +7228,7 @@
             </p:txBody>
           </p:sp>
         </mc:Choice>
-        <mc:Fallback>
+        <mc:Fallback xmlns="">
           <p:sp>
             <p:nvSpPr>
               <p:cNvPr id="9" name="矩形 8">
@@ -7316,8 +7273,8 @@
           </p:sp>
         </mc:Fallback>
       </mc:AlternateContent>
-      <mc:AlternateContent xmlns:mc="http://schemas.openxmlformats.org/markup-compatibility/2006">
-        <mc:Choice xmlns:a14="http://schemas.microsoft.com/office/drawing/2010/main" Requires="a14">
+      <mc:AlternateContent xmlns:mc="http://schemas.openxmlformats.org/markup-compatibility/2006" xmlns:a14="http://schemas.microsoft.com/office/drawing/2010/main">
+        <mc:Choice Requires="a14">
           <p:sp>
             <p:nvSpPr>
               <p:cNvPr id="10" name="矩形 9">
@@ -7345,6 +7302,7 @@
               </a:bodyPr>
               <a:lstStyle/>
               <a:p>
+                <a:pPr/>
                 <a14:m>
                   <m:oMathPara xmlns:m="http://schemas.openxmlformats.org/officeDocument/2006/math">
                     <m:oMathParaPr>
@@ -7429,7 +7387,7 @@
             </p:txBody>
           </p:sp>
         </mc:Choice>
-        <mc:Fallback>
+        <mc:Fallback xmlns="">
           <p:sp>
             <p:nvSpPr>
               <p:cNvPr id="10" name="矩形 9">
